--- a/source/lessons/lsn26-27/ice/ice.pptx
+++ b/source/lessons/lsn26-27/ice/ice.pptx
@@ -7,19 +7,15 @@
     <p:sldMasterId id="2147483667" r:id="rId3"/>
   </p:sldMasterIdLst>
   <p:notesMasterIdLst>
-    <p:notesMasterId r:id="rId11"/>
+    <p:notesMasterId r:id="rId7"/>
   </p:notesMasterIdLst>
   <p:handoutMasterIdLst>
-    <p:handoutMasterId r:id="rId12"/>
+    <p:handoutMasterId r:id="rId8"/>
   </p:handoutMasterIdLst>
   <p:sldIdLst>
     <p:sldId id="396" r:id="rId4"/>
-    <p:sldId id="397" r:id="rId5"/>
-    <p:sldId id="398" r:id="rId6"/>
-    <p:sldId id="399" r:id="rId7"/>
-    <p:sldId id="400" r:id="rId8"/>
-    <p:sldId id="355" r:id="rId9"/>
-    <p:sldId id="356" r:id="rId10"/>
+    <p:sldId id="400" r:id="rId5"/>
+    <p:sldId id="399" r:id="rId6"/>
   </p:sldIdLst>
   <p:sldSz cx="9144000" cy="6858000" type="screen4x3"/>
   <p:notesSz cx="7010400" cy="9296400"/>
@@ -1324,124 +1320,6 @@
 </file>
 
 <file path=ppt/slideLayouts/slideLayout10.xml><?xml version="1.0" encoding="utf-8"?>
-<p:sldLayout xmlns:a="http://schemas.openxmlformats.org/drawingml/2006/main" xmlns:r="http://schemas.openxmlformats.org/officeDocument/2006/relationships" xmlns:p="http://schemas.openxmlformats.org/presentationml/2006/main" type="titleOnly" preserve="1">
-  <p:cSld name="Title Only">
-    <p:spTree>
-      <p:nvGrpSpPr>
-        <p:cNvPr id="1" name=""/>
-        <p:cNvGrpSpPr/>
-        <p:nvPr/>
-      </p:nvGrpSpPr>
-      <p:grpSpPr>
-        <a:xfrm>
-          <a:off x="0" y="0"/>
-          <a:ext cx="0" cy="0"/>
-          <a:chOff x="0" y="0"/>
-          <a:chExt cx="0" cy="0"/>
-        </a:xfrm>
-      </p:grpSpPr>
-      <p:sp>
-        <p:nvSpPr>
-          <p:cNvPr id="2" name="Title 1"/>
-          <p:cNvSpPr>
-            <a:spLocks noGrp="1"/>
-          </p:cNvSpPr>
-          <p:nvPr>
-            <p:ph type="title"/>
-          </p:nvPr>
-        </p:nvSpPr>
-        <p:spPr/>
-        <p:txBody>
-          <a:bodyPr/>
-          <a:lstStyle/>
-          <a:p>
-            <a:r>
-              <a:rPr lang="en-US" smtClean="0"/>
-              <a:t>Click to edit Master title style</a:t>
-            </a:r>
-            <a:endParaRPr lang="en-US"/>
-          </a:p>
-        </p:txBody>
-      </p:sp>
-      <p:sp>
-        <p:nvSpPr>
-          <p:cNvPr id="3" name="Date Placeholder 2"/>
-          <p:cNvSpPr>
-            <a:spLocks noGrp="1"/>
-          </p:cNvSpPr>
-          <p:nvPr>
-            <p:ph type="dt" sz="half" idx="10"/>
-          </p:nvPr>
-        </p:nvSpPr>
-        <p:spPr/>
-        <p:txBody>
-          <a:bodyPr/>
-          <a:lstStyle/>
-          <a:p>
-            <a:fld id="{834513E8-165F-4932-9E2D-FD497CB9A4FD}" type="datetimeFigureOut">
-              <a:rPr lang="en-US" smtClean="0"/>
-              <a:t>10/18/2018</a:t>
-            </a:fld>
-            <a:endParaRPr lang="en-US"/>
-          </a:p>
-        </p:txBody>
-      </p:sp>
-      <p:sp>
-        <p:nvSpPr>
-          <p:cNvPr id="4" name="Footer Placeholder 3"/>
-          <p:cNvSpPr>
-            <a:spLocks noGrp="1"/>
-          </p:cNvSpPr>
-          <p:nvPr>
-            <p:ph type="ftr" sz="quarter" idx="11"/>
-          </p:nvPr>
-        </p:nvSpPr>
-        <p:spPr/>
-        <p:txBody>
-          <a:bodyPr/>
-          <a:lstStyle/>
-          <a:p>
-            <a:endParaRPr lang="en-US"/>
-          </a:p>
-        </p:txBody>
-      </p:sp>
-      <p:sp>
-        <p:nvSpPr>
-          <p:cNvPr id="5" name="Slide Number Placeholder 4"/>
-          <p:cNvSpPr>
-            <a:spLocks noGrp="1"/>
-          </p:cNvSpPr>
-          <p:nvPr>
-            <p:ph type="sldNum" sz="quarter" idx="12"/>
-          </p:nvPr>
-        </p:nvSpPr>
-        <p:spPr/>
-        <p:txBody>
-          <a:bodyPr/>
-          <a:lstStyle/>
-          <a:p>
-            <a:fld id="{3E852FCF-D44D-4D06-AC89-29A3B60A1814}" type="slidenum">
-              <a:rPr lang="en-US" smtClean="0"/>
-              <a:t>‹#›</a:t>
-            </a:fld>
-            <a:endParaRPr lang="en-US"/>
-          </a:p>
-        </p:txBody>
-      </p:sp>
-    </p:spTree>
-    <p:extLst>
-      <p:ext uri="{BB962C8B-B14F-4D97-AF65-F5344CB8AC3E}">
-        <p14:creationId xmlns:p14="http://schemas.microsoft.com/office/powerpoint/2010/main" val="1867479861"/>
-      </p:ext>
-    </p:extLst>
-  </p:cSld>
-  <p:clrMapOvr>
-    <a:masterClrMapping/>
-  </p:clrMapOvr>
-</p:sldLayout>
-</file>
-
-<file path=ppt/slideLayouts/slideLayout11.xml><?xml version="1.0" encoding="utf-8"?>
 <p:sldLayout xmlns:a="http://schemas.openxmlformats.org/drawingml/2006/main" xmlns:r="http://schemas.openxmlformats.org/officeDocument/2006/relationships" xmlns:p="http://schemas.openxmlformats.org/presentationml/2006/main" type="blank" preserve="1">
   <p:cSld name="Blank">
     <p:spTree>
@@ -1475,7 +1353,7 @@
           <a:p>
             <a:fld id="{834513E8-165F-4932-9E2D-FD497CB9A4FD}" type="datetimeFigureOut">
               <a:rPr lang="en-US" smtClean="0"/>
-              <a:t>10/18/2018</a:t>
+              <a:t>10/25/2018</a:t>
             </a:fld>
             <a:endParaRPr lang="en-US"/>
           </a:p>
@@ -1536,7 +1414,7 @@
 </p:sldLayout>
 </file>
 
-<file path=ppt/slideLayouts/slideLayout12.xml><?xml version="1.0" encoding="utf-8"?>
+<file path=ppt/slideLayouts/slideLayout11.xml><?xml version="1.0" encoding="utf-8"?>
 <p:sldLayout xmlns:a="http://schemas.openxmlformats.org/drawingml/2006/main" xmlns:r="http://schemas.openxmlformats.org/officeDocument/2006/relationships" xmlns:p="http://schemas.openxmlformats.org/presentationml/2006/main" type="objTx" preserve="1">
   <p:cSld name="Content with Caption">
     <p:spTree>
@@ -1752,7 +1630,7 @@
           <a:p>
             <a:fld id="{834513E8-165F-4932-9E2D-FD497CB9A4FD}" type="datetimeFigureOut">
               <a:rPr lang="en-US" smtClean="0"/>
-              <a:t>10/18/2018</a:t>
+              <a:t>10/25/2018</a:t>
             </a:fld>
             <a:endParaRPr lang="en-US"/>
           </a:p>
@@ -1813,7 +1691,7 @@
 </p:sldLayout>
 </file>
 
-<file path=ppt/slideLayouts/slideLayout13.xml><?xml version="1.0" encoding="utf-8"?>
+<file path=ppt/slideLayouts/slideLayout12.xml><?xml version="1.0" encoding="utf-8"?>
 <p:sldLayout xmlns:a="http://schemas.openxmlformats.org/drawingml/2006/main" xmlns:r="http://schemas.openxmlformats.org/officeDocument/2006/relationships" xmlns:p="http://schemas.openxmlformats.org/presentationml/2006/main" type="picTx" preserve="1">
   <p:cSld name="Picture with Caption">
     <p:spTree>
@@ -2005,7 +1883,7 @@
           <a:p>
             <a:fld id="{834513E8-165F-4932-9E2D-FD497CB9A4FD}" type="datetimeFigureOut">
               <a:rPr lang="en-US" smtClean="0"/>
-              <a:t>10/18/2018</a:t>
+              <a:t>10/25/2018</a:t>
             </a:fld>
             <a:endParaRPr lang="en-US"/>
           </a:p>
@@ -2066,7 +1944,7 @@
 </p:sldLayout>
 </file>
 
-<file path=ppt/slideLayouts/slideLayout14.xml><?xml version="1.0" encoding="utf-8"?>
+<file path=ppt/slideLayouts/slideLayout13.xml><?xml version="1.0" encoding="utf-8"?>
 <p:sldLayout xmlns:a="http://schemas.openxmlformats.org/drawingml/2006/main" xmlns:r="http://schemas.openxmlformats.org/officeDocument/2006/relationships" xmlns:p="http://schemas.openxmlformats.org/presentationml/2006/main" type="vertTx" preserve="1">
   <p:cSld name="Title and Vertical Text">
     <p:spTree>
@@ -2175,7 +2053,7 @@
           <a:p>
             <a:fld id="{834513E8-165F-4932-9E2D-FD497CB9A4FD}" type="datetimeFigureOut">
               <a:rPr lang="en-US" smtClean="0"/>
-              <a:t>10/18/2018</a:t>
+              <a:t>10/25/2018</a:t>
             </a:fld>
             <a:endParaRPr lang="en-US"/>
           </a:p>
@@ -2236,7 +2114,7 @@
 </p:sldLayout>
 </file>
 
-<file path=ppt/slideLayouts/slideLayout15.xml><?xml version="1.0" encoding="utf-8"?>
+<file path=ppt/slideLayouts/slideLayout14.xml><?xml version="1.0" encoding="utf-8"?>
 <p:sldLayout xmlns:a="http://schemas.openxmlformats.org/drawingml/2006/main" xmlns:r="http://schemas.openxmlformats.org/officeDocument/2006/relationships" xmlns:p="http://schemas.openxmlformats.org/presentationml/2006/main" type="vertTitleAndTx" preserve="1">
   <p:cSld name="Vertical Title and Text">
     <p:spTree>
@@ -2355,7 +2233,7 @@
           <a:p>
             <a:fld id="{834513E8-165F-4932-9E2D-FD497CB9A4FD}" type="datetimeFigureOut">
               <a:rPr lang="en-US" smtClean="0"/>
-              <a:t>10/18/2018</a:t>
+              <a:t>10/25/2018</a:t>
             </a:fld>
             <a:endParaRPr lang="en-US"/>
           </a:p>
@@ -2969,105 +2847,6 @@
 </file>
 
 <file path=ppt/slideLayouts/slideLayout4.xml><?xml version="1.0" encoding="utf-8"?>
-<p:sldLayout xmlns:a="http://schemas.openxmlformats.org/drawingml/2006/main" xmlns:r="http://schemas.openxmlformats.org/officeDocument/2006/relationships" xmlns:p="http://schemas.openxmlformats.org/presentationml/2006/main" type="titleOnly">
-  <p:cSld name="Title Only">
-    <p:spTree>
-      <p:nvGrpSpPr>
-        <p:cNvPr id="1" name=""/>
-        <p:cNvGrpSpPr/>
-        <p:nvPr/>
-      </p:nvGrpSpPr>
-      <p:grpSpPr>
-        <a:xfrm>
-          <a:off x="0" y="0"/>
-          <a:ext cx="0" cy="0"/>
-          <a:chOff x="0" y="0"/>
-          <a:chExt cx="0" cy="0"/>
-        </a:xfrm>
-      </p:grpSpPr>
-      <p:sp>
-        <p:nvSpPr>
-          <p:cNvPr id="2" name="Title 1"/>
-          <p:cNvSpPr>
-            <a:spLocks noGrp="1"/>
-          </p:cNvSpPr>
-          <p:nvPr>
-            <p:ph type="title"/>
-          </p:nvPr>
-        </p:nvSpPr>
-        <p:spPr/>
-        <p:txBody>
-          <a:bodyPr/>
-          <a:lstStyle/>
-          <a:p>
-            <a:r>
-              <a:rPr lang="en-US" smtClean="0"/>
-              <a:t>Click to edit Master title style</a:t>
-            </a:r>
-            <a:endParaRPr lang="en-US"/>
-          </a:p>
-        </p:txBody>
-      </p:sp>
-      <p:sp>
-        <p:nvSpPr>
-          <p:cNvPr id="3" name="Rectangle 5"/>
-          <p:cNvSpPr>
-            <a:spLocks noGrp="1" noChangeArrowheads="1"/>
-          </p:cNvSpPr>
-          <p:nvPr>
-            <p:ph type="ftr" sz="quarter" idx="10"/>
-          </p:nvPr>
-        </p:nvSpPr>
-        <p:spPr>
-          <a:xfrm>
-            <a:off x="2192338" y="6494463"/>
-            <a:ext cx="4764087" cy="228600"/>
-          </a:xfrm>
-          <a:prstGeom prst="rect">
-            <a:avLst/>
-          </a:prstGeom>
-          <a:ln/>
-        </p:spPr>
-        <p:txBody>
-          <a:bodyPr/>
-          <a:lstStyle>
-            <a:lvl1pPr>
-              <a:defRPr/>
-            </a:lvl1pPr>
-          </a:lstStyle>
-          <a:p>
-            <a:pPr>
-              <a:defRPr/>
-            </a:pPr>
-            <a:r>
-              <a:rPr lang="en-US"/>
-              <a:t>EE 382 Microcontroller Programming – Fall 2007 – Slide #</a:t>
-            </a:r>
-            <a:fld id="{28889C48-89AD-4887-A779-AFCE75A8529B}" type="slidenum">
-              <a:rPr lang="en-US"/>
-              <a:pPr>
-                <a:defRPr/>
-              </a:pPr>
-              <a:t>‹#›</a:t>
-            </a:fld>
-            <a:endParaRPr lang="en-US"/>
-          </a:p>
-        </p:txBody>
-      </p:sp>
-    </p:spTree>
-    <p:extLst>
-      <p:ext uri="{BB962C8B-B14F-4D97-AF65-F5344CB8AC3E}">
-        <p14:creationId xmlns:p14="http://schemas.microsoft.com/office/powerpoint/2010/main" val="2060910389"/>
-      </p:ext>
-    </p:extLst>
-  </p:cSld>
-  <p:clrMapOvr>
-    <a:masterClrMapping/>
-  </p:clrMapOvr>
-</p:sldLayout>
-</file>
-
-<file path=ppt/slideLayouts/slideLayout5.xml><?xml version="1.0" encoding="utf-8"?>
 <p:sldLayout xmlns:a="http://schemas.openxmlformats.org/drawingml/2006/main" xmlns:r="http://schemas.openxmlformats.org/officeDocument/2006/relationships" xmlns:p="http://schemas.openxmlformats.org/presentationml/2006/main" type="title" preserve="1">
   <p:cSld name="Title Slide">
     <p:spTree>
@@ -3198,7 +2977,7 @@
           <a:p>
             <a:fld id="{834513E8-165F-4932-9E2D-FD497CB9A4FD}" type="datetimeFigureOut">
               <a:rPr lang="en-US" smtClean="0"/>
-              <a:t>10/18/2018</a:t>
+              <a:t>10/25/2018</a:t>
             </a:fld>
             <a:endParaRPr lang="en-US"/>
           </a:p>
@@ -3259,7 +3038,7 @@
 </p:sldLayout>
 </file>
 
-<file path=ppt/slideLayouts/slideLayout6.xml><?xml version="1.0" encoding="utf-8"?>
+<file path=ppt/slideLayouts/slideLayout5.xml><?xml version="1.0" encoding="utf-8"?>
 <p:sldLayout xmlns:a="http://schemas.openxmlformats.org/drawingml/2006/main" xmlns:r="http://schemas.openxmlformats.org/officeDocument/2006/relationships" xmlns:p="http://schemas.openxmlformats.org/presentationml/2006/main" type="obj" preserve="1">
   <p:cSld name="Title and Content">
     <p:spTree>
@@ -3368,7 +3147,7 @@
           <a:p>
             <a:fld id="{834513E8-165F-4932-9E2D-FD497CB9A4FD}" type="datetimeFigureOut">
               <a:rPr lang="en-US" smtClean="0"/>
-              <a:t>10/18/2018</a:t>
+              <a:t>10/25/2018</a:t>
             </a:fld>
             <a:endParaRPr lang="en-US"/>
           </a:p>
@@ -3429,7 +3208,7 @@
 </p:sldLayout>
 </file>
 
-<file path=ppt/slideLayouts/slideLayout7.xml><?xml version="1.0" encoding="utf-8"?>
+<file path=ppt/slideLayouts/slideLayout6.xml><?xml version="1.0" encoding="utf-8"?>
 <p:sldLayout xmlns:a="http://schemas.openxmlformats.org/drawingml/2006/main" xmlns:r="http://schemas.openxmlformats.org/officeDocument/2006/relationships" xmlns:p="http://schemas.openxmlformats.org/presentationml/2006/main" type="secHead" preserve="1">
   <p:cSld name="Section Header">
     <p:spTree>
@@ -3614,7 +3393,7 @@
           <a:p>
             <a:fld id="{834513E8-165F-4932-9E2D-FD497CB9A4FD}" type="datetimeFigureOut">
               <a:rPr lang="en-US" smtClean="0"/>
-              <a:t>10/18/2018</a:t>
+              <a:t>10/25/2018</a:t>
             </a:fld>
             <a:endParaRPr lang="en-US"/>
           </a:p>
@@ -3675,7 +3454,7 @@
 </p:sldLayout>
 </file>
 
-<file path=ppt/slideLayouts/slideLayout8.xml><?xml version="1.0" encoding="utf-8"?>
+<file path=ppt/slideLayouts/slideLayout7.xml><?xml version="1.0" encoding="utf-8"?>
 <p:sldLayout xmlns:a="http://schemas.openxmlformats.org/drawingml/2006/main" xmlns:r="http://schemas.openxmlformats.org/officeDocument/2006/relationships" xmlns:p="http://schemas.openxmlformats.org/presentationml/2006/main" type="twoObj" preserve="1">
   <p:cSld name="Two Content">
     <p:spTree>
@@ -3846,7 +3625,7 @@
           <a:p>
             <a:fld id="{834513E8-165F-4932-9E2D-FD497CB9A4FD}" type="datetimeFigureOut">
               <a:rPr lang="en-US" smtClean="0"/>
-              <a:t>10/18/2018</a:t>
+              <a:t>10/25/2018</a:t>
             </a:fld>
             <a:endParaRPr lang="en-US"/>
           </a:p>
@@ -3907,7 +3686,7 @@
 </p:sldLayout>
 </file>
 
-<file path=ppt/slideLayouts/slideLayout9.xml><?xml version="1.0" encoding="utf-8"?>
+<file path=ppt/slideLayouts/slideLayout8.xml><?xml version="1.0" encoding="utf-8"?>
 <p:sldLayout xmlns:a="http://schemas.openxmlformats.org/drawingml/2006/main" xmlns:r="http://schemas.openxmlformats.org/officeDocument/2006/relationships" xmlns:p="http://schemas.openxmlformats.org/presentationml/2006/main" type="twoTxTwoObj" preserve="1">
   <p:cSld name="Comparison">
     <p:spTree>
@@ -4213,7 +3992,7 @@
           <a:p>
             <a:fld id="{834513E8-165F-4932-9E2D-FD497CB9A4FD}" type="datetimeFigureOut">
               <a:rPr lang="en-US" smtClean="0"/>
-              <a:t>10/18/2018</a:t>
+              <a:t>10/25/2018</a:t>
             </a:fld>
             <a:endParaRPr lang="en-US"/>
           </a:p>
@@ -4265,6 +4044,124 @@
     <p:extLst>
       <p:ext uri="{BB962C8B-B14F-4D97-AF65-F5344CB8AC3E}">
         <p14:creationId xmlns:p14="http://schemas.microsoft.com/office/powerpoint/2010/main" val="3548082766"/>
+      </p:ext>
+    </p:extLst>
+  </p:cSld>
+  <p:clrMapOvr>
+    <a:masterClrMapping/>
+  </p:clrMapOvr>
+</p:sldLayout>
+</file>
+
+<file path=ppt/slideLayouts/slideLayout9.xml><?xml version="1.0" encoding="utf-8"?>
+<p:sldLayout xmlns:a="http://schemas.openxmlformats.org/drawingml/2006/main" xmlns:r="http://schemas.openxmlformats.org/officeDocument/2006/relationships" xmlns:p="http://schemas.openxmlformats.org/presentationml/2006/main" type="titleOnly" preserve="1">
+  <p:cSld name="Title Only">
+    <p:spTree>
+      <p:nvGrpSpPr>
+        <p:cNvPr id="1" name=""/>
+        <p:cNvGrpSpPr/>
+        <p:nvPr/>
+      </p:nvGrpSpPr>
+      <p:grpSpPr>
+        <a:xfrm>
+          <a:off x="0" y="0"/>
+          <a:ext cx="0" cy="0"/>
+          <a:chOff x="0" y="0"/>
+          <a:chExt cx="0" cy="0"/>
+        </a:xfrm>
+      </p:grpSpPr>
+      <p:sp>
+        <p:nvSpPr>
+          <p:cNvPr id="2" name="Title 1"/>
+          <p:cNvSpPr>
+            <a:spLocks noGrp="1"/>
+          </p:cNvSpPr>
+          <p:nvPr>
+            <p:ph type="title"/>
+          </p:nvPr>
+        </p:nvSpPr>
+        <p:spPr/>
+        <p:txBody>
+          <a:bodyPr/>
+          <a:lstStyle/>
+          <a:p>
+            <a:r>
+              <a:rPr lang="en-US" smtClean="0"/>
+              <a:t>Click to edit Master title style</a:t>
+            </a:r>
+            <a:endParaRPr lang="en-US"/>
+          </a:p>
+        </p:txBody>
+      </p:sp>
+      <p:sp>
+        <p:nvSpPr>
+          <p:cNvPr id="3" name="Date Placeholder 2"/>
+          <p:cNvSpPr>
+            <a:spLocks noGrp="1"/>
+          </p:cNvSpPr>
+          <p:nvPr>
+            <p:ph type="dt" sz="half" idx="10"/>
+          </p:nvPr>
+        </p:nvSpPr>
+        <p:spPr/>
+        <p:txBody>
+          <a:bodyPr/>
+          <a:lstStyle/>
+          <a:p>
+            <a:fld id="{834513E8-165F-4932-9E2D-FD497CB9A4FD}" type="datetimeFigureOut">
+              <a:rPr lang="en-US" smtClean="0"/>
+              <a:t>10/25/2018</a:t>
+            </a:fld>
+            <a:endParaRPr lang="en-US"/>
+          </a:p>
+        </p:txBody>
+      </p:sp>
+      <p:sp>
+        <p:nvSpPr>
+          <p:cNvPr id="4" name="Footer Placeholder 3"/>
+          <p:cNvSpPr>
+            <a:spLocks noGrp="1"/>
+          </p:cNvSpPr>
+          <p:nvPr>
+            <p:ph type="ftr" sz="quarter" idx="11"/>
+          </p:nvPr>
+        </p:nvSpPr>
+        <p:spPr/>
+        <p:txBody>
+          <a:bodyPr/>
+          <a:lstStyle/>
+          <a:p>
+            <a:endParaRPr lang="en-US"/>
+          </a:p>
+        </p:txBody>
+      </p:sp>
+      <p:sp>
+        <p:nvSpPr>
+          <p:cNvPr id="5" name="Slide Number Placeholder 4"/>
+          <p:cNvSpPr>
+            <a:spLocks noGrp="1"/>
+          </p:cNvSpPr>
+          <p:nvPr>
+            <p:ph type="sldNum" sz="quarter" idx="12"/>
+          </p:nvPr>
+        </p:nvSpPr>
+        <p:spPr/>
+        <p:txBody>
+          <a:bodyPr/>
+          <a:lstStyle/>
+          <a:p>
+            <a:fld id="{3E852FCF-D44D-4D06-AC89-29A3B60A1814}" type="slidenum">
+              <a:rPr lang="en-US" smtClean="0"/>
+              <a:t>‹#›</a:t>
+            </a:fld>
+            <a:endParaRPr lang="en-US"/>
+          </a:p>
+        </p:txBody>
+      </p:sp>
+    </p:spTree>
+    <p:extLst>
+      <p:ext uri="{BB962C8B-B14F-4D97-AF65-F5344CB8AC3E}">
+        <p14:creationId xmlns:p14="http://schemas.microsoft.com/office/powerpoint/2010/main" val="1867479861"/>
       </p:ext>
     </p:extLst>
   </p:cSld>
@@ -5411,7 +5308,7 @@
           <p:nvPr userDrawn="1"/>
         </p:nvPicPr>
         <p:blipFill>
-          <a:blip r:embed="rId5" cstate="print">
+          <a:blip r:embed="rId4" cstate="print">
             <a:extLst>
               <a:ext uri="{28A0092B-C50C-407E-A947-70E740481C1C}">
                 <a14:useLocalDpi xmlns:a14="http://schemas.microsoft.com/office/drawing/2010/main" val="0"/>
@@ -5454,7 +5351,6 @@
   <p:sldLayoutIdLst>
     <p:sldLayoutId id="2147483665" r:id="rId1"/>
     <p:sldLayoutId id="2147483666" r:id="rId2"/>
-    <p:sldLayoutId id="2147483679" r:id="rId3"/>
   </p:sldLayoutIdLst>
   <p:transition spd="med"/>
   <p:timing>
@@ -6030,7 +5926,7 @@
           <a:p>
             <a:fld id="{834513E8-165F-4932-9E2D-FD497CB9A4FD}" type="datetimeFigureOut">
               <a:rPr lang="en-US" smtClean="0"/>
-              <a:t>10/18/2018</a:t>
+              <a:t>10/25/2018</a:t>
             </a:fld>
             <a:endParaRPr lang="en-US"/>
           </a:p>
@@ -6498,8 +6394,13 @@
             </a:r>
             <a:r>
               <a:rPr lang="en-US" sz="1800" dirty="0"/>
-              <a:t>a speaker or headphones on P1.6 to listen to the 440Hz 'A' Tone using the following schematic.</a:t>
-            </a:r>
+              <a:t>a speaker or headphones on P1.6 to listen to the 440Hz 'A' Tone using the following </a:t>
+            </a:r>
+            <a:r>
+              <a:rPr lang="en-US" sz="1800" dirty="0" smtClean="0"/>
+              <a:t>setup</a:t>
+            </a:r>
+            <a:endParaRPr lang="en-US" sz="1800" dirty="0"/>
           </a:p>
           <a:p>
             <a:pPr lvl="1"/>
@@ -6509,8 +6410,13 @@
             </a:r>
             <a:r>
               <a:rPr lang="en-US" sz="1800" dirty="0"/>
-              <a:t>another interrupt from a button press (P1.3) to toggle the Red LED (P1.0) and then increment through each tone in the counts array.</a:t>
-            </a:r>
+              <a:t>another interrupt from a button press (P1.3) to toggle the Red LED (P1.0) and then increment through each tone in the counts </a:t>
+            </a:r>
+            <a:r>
+              <a:rPr lang="en-US" sz="1800" dirty="0" smtClean="0"/>
+              <a:t>array</a:t>
+            </a:r>
+            <a:endParaRPr lang="en-US" sz="1800" dirty="0"/>
           </a:p>
           <a:p>
             <a:pPr lvl="1"/>
@@ -6520,44 +6426,20 @@
             </a:r>
             <a:r>
               <a:rPr lang="en-US" sz="1800" dirty="0"/>
-              <a:t>the button interrupt to increment through the counts array to be output the different tones on a speaker.</a:t>
-            </a:r>
-          </a:p>
-        </p:txBody>
-      </p:sp>
-      <p:sp>
-        <p:nvSpPr>
-          <p:cNvPr id="4" name="Rectangle 3"/>
-          <p:cNvSpPr/>
-          <p:nvPr/>
-        </p:nvSpPr>
-        <p:spPr>
-          <a:xfrm>
-            <a:off x="3141480" y="909935"/>
-            <a:ext cx="2861040" cy="461665"/>
-          </a:xfrm>
-          <a:prstGeom prst="rect">
-            <a:avLst/>
-          </a:prstGeom>
-        </p:spPr>
-        <p:txBody>
-          <a:bodyPr wrap="none">
-            <a:spAutoFit/>
-          </a:bodyPr>
-          <a:lstStyle/>
-          <a:p>
-            <a:r>
-              <a:rPr lang="en-US" dirty="0"/>
-              <a:t>(see </a:t>
-            </a:r>
-            <a:r>
-              <a:rPr lang="en-US" dirty="0" err="1"/>
-              <a:t>interruptTones.c</a:t>
-            </a:r>
-            <a:r>
-              <a:rPr lang="en-US" dirty="0"/>
-              <a:t>)</a:t>
-            </a:r>
+              <a:t>the button interrupt to increment through the counts array to be output the different tones on a </a:t>
+            </a:r>
+            <a:r>
+              <a:rPr lang="en-US" sz="1800" dirty="0" smtClean="0"/>
+              <a:t>speaker</a:t>
+            </a:r>
+          </a:p>
+          <a:p>
+            <a:pPr lvl="1"/>
+            <a:r>
+              <a:rPr lang="en-US" sz="1800" dirty="0" smtClean="0"/>
+              <a:t>Use a 1k potentiometer to control the speaker volume</a:t>
+            </a:r>
+            <a:endParaRPr lang="en-US" sz="1800" dirty="0"/>
           </a:p>
         </p:txBody>
       </p:sp>
@@ -6582,456 +6464,6 @@
 </file>
 
 <file path=ppt/slides/slide2.xml><?xml version="1.0" encoding="utf-8"?>
-<p:sld xmlns:a="http://schemas.openxmlformats.org/drawingml/2006/main" xmlns:r="http://schemas.openxmlformats.org/officeDocument/2006/relationships" xmlns:p="http://schemas.openxmlformats.org/presentationml/2006/main" show="0">
-  <p:cSld>
-    <p:spTree>
-      <p:nvGrpSpPr>
-        <p:cNvPr id="1" name=""/>
-        <p:cNvGrpSpPr/>
-        <p:nvPr/>
-      </p:nvGrpSpPr>
-      <p:grpSpPr>
-        <a:xfrm>
-          <a:off x="0" y="0"/>
-          <a:ext cx="0" cy="0"/>
-          <a:chOff x="0" y="0"/>
-          <a:chExt cx="0" cy="0"/>
-        </a:xfrm>
-      </p:grpSpPr>
-      <p:sp>
-        <p:nvSpPr>
-          <p:cNvPr id="2" name="Title 1"/>
-          <p:cNvSpPr>
-            <a:spLocks noGrp="1"/>
-          </p:cNvSpPr>
-          <p:nvPr>
-            <p:ph type="title"/>
-          </p:nvPr>
-        </p:nvSpPr>
-        <p:spPr/>
-        <p:txBody>
-          <a:bodyPr/>
-          <a:lstStyle/>
-          <a:p>
-            <a:r>
-              <a:rPr lang="en-US" dirty="0" smtClean="0"/>
-              <a:t>In-Class Programming Exercise </a:t>
-            </a:r>
-            <a:endParaRPr lang="en-US" dirty="0"/>
-          </a:p>
-        </p:txBody>
-      </p:sp>
-      <p:sp>
-        <p:nvSpPr>
-          <p:cNvPr id="3" name="Content Placeholder 2"/>
-          <p:cNvSpPr>
-            <a:spLocks noGrp="1"/>
-          </p:cNvSpPr>
-          <p:nvPr>
-            <p:ph idx="1"/>
-          </p:nvPr>
-        </p:nvSpPr>
-        <p:spPr/>
-        <p:txBody>
-          <a:bodyPr/>
-          <a:lstStyle/>
-          <a:p>
-            <a:endParaRPr lang="en-US" sz="1800" dirty="0"/>
-          </a:p>
-        </p:txBody>
-      </p:sp>
-      <p:sp>
-        <p:nvSpPr>
-          <p:cNvPr id="4" name="Rectangle 3"/>
-          <p:cNvSpPr/>
-          <p:nvPr/>
-        </p:nvSpPr>
-        <p:spPr>
-          <a:xfrm>
-            <a:off x="3141480" y="659685"/>
-            <a:ext cx="2861040" cy="461665"/>
-          </a:xfrm>
-          <a:prstGeom prst="rect">
-            <a:avLst/>
-          </a:prstGeom>
-        </p:spPr>
-        <p:txBody>
-          <a:bodyPr wrap="none">
-            <a:spAutoFit/>
-          </a:bodyPr>
-          <a:lstStyle/>
-          <a:p>
-            <a:r>
-              <a:rPr lang="en-US" dirty="0"/>
-              <a:t>(see </a:t>
-            </a:r>
-            <a:r>
-              <a:rPr lang="en-US" dirty="0" err="1"/>
-              <a:t>interruptTones.c</a:t>
-            </a:r>
-            <a:r>
-              <a:rPr lang="en-US" dirty="0"/>
-              <a:t>)</a:t>
-            </a:r>
-          </a:p>
-        </p:txBody>
-      </p:sp>
-      <p:sp>
-        <p:nvSpPr>
-          <p:cNvPr id="7" name="Rectangle 6"/>
-          <p:cNvSpPr/>
-          <p:nvPr/>
-        </p:nvSpPr>
-        <p:spPr>
-          <a:xfrm>
-            <a:off x="0" y="6172174"/>
-            <a:ext cx="9144000" cy="707886"/>
-          </a:xfrm>
-          <a:prstGeom prst="rect">
-            <a:avLst/>
-          </a:prstGeom>
-        </p:spPr>
-        <p:txBody>
-          <a:bodyPr wrap="square">
-            <a:spAutoFit/>
-          </a:bodyPr>
-          <a:lstStyle/>
-          <a:p>
-            <a:pPr algn="ctr">
-              <a:spcBef>
-                <a:spcPts val="0"/>
-              </a:spcBef>
-            </a:pPr>
-            <a:r>
-              <a:rPr lang="en-US" sz="2000" dirty="0"/>
-              <a:t>Setup for the hooking up 3.5mm Audio Jack to the MSP430 Launchpad Board</a:t>
-            </a:r>
-          </a:p>
-          <a:p>
-            <a:pPr algn="ctr">
-              <a:spcBef>
-                <a:spcPts val="0"/>
-              </a:spcBef>
-            </a:pPr>
-            <a:r>
-              <a:rPr lang="en-US" sz="2000" dirty="0" smtClean="0"/>
-              <a:t>without </a:t>
-            </a:r>
-            <a:r>
-              <a:rPr lang="en-US" sz="2000" dirty="0"/>
-              <a:t>Volume Control</a:t>
-            </a:r>
-          </a:p>
-        </p:txBody>
-      </p:sp>
-      <p:pic>
-        <p:nvPicPr>
-          <p:cNvPr id="1026" name="Picture 2"/>
-          <p:cNvPicPr>
-            <a:picLocks noChangeAspect="1" noChangeArrowheads="1"/>
-          </p:cNvPicPr>
-          <p:nvPr/>
-        </p:nvPicPr>
-        <p:blipFill>
-          <a:blip r:embed="rId2">
-            <a:extLst>
-              <a:ext uri="{28A0092B-C50C-407E-A947-70E740481C1C}">
-                <a14:useLocalDpi xmlns:a14="http://schemas.microsoft.com/office/drawing/2010/main" val="0"/>
-              </a:ext>
-            </a:extLst>
-          </a:blip>
-          <a:srcRect/>
-          <a:stretch>
-            <a:fillRect/>
-          </a:stretch>
-        </p:blipFill>
-        <p:spPr bwMode="auto">
-          <a:xfrm>
-            <a:off x="354251" y="1385334"/>
-            <a:ext cx="8435498" cy="4769734"/>
-          </a:xfrm>
-          <a:prstGeom prst="rect">
-            <a:avLst/>
-          </a:prstGeom>
-          <a:noFill/>
-          <a:ln>
-            <a:noFill/>
-          </a:ln>
-          <a:extLst>
-            <a:ext uri="{909E8E84-426E-40DD-AFC4-6F175D3DCCD1}">
-              <a14:hiddenFill xmlns:a14="http://schemas.microsoft.com/office/drawing/2010/main">
-                <a:solidFill>
-                  <a:schemeClr val="accent1"/>
-                </a:solidFill>
-              </a14:hiddenFill>
-            </a:ext>
-            <a:ext uri="{91240B29-F687-4F45-9708-019B960494DF}">
-              <a14:hiddenLine xmlns:a14="http://schemas.microsoft.com/office/drawing/2010/main" w="9525">
-                <a:solidFill>
-                  <a:schemeClr val="tx1"/>
-                </a:solidFill>
-                <a:miter lim="800000"/>
-                <a:headEnd/>
-                <a:tailEnd/>
-              </a14:hiddenLine>
-            </a:ext>
-          </a:extLst>
-        </p:spPr>
-      </p:pic>
-    </p:spTree>
-    <p:extLst>
-      <p:ext uri="{BB962C8B-B14F-4D97-AF65-F5344CB8AC3E}">
-        <p14:creationId xmlns:p14="http://schemas.microsoft.com/office/powerpoint/2010/main" val="3104867619"/>
-      </p:ext>
-    </p:extLst>
-  </p:cSld>
-  <p:clrMapOvr>
-    <a:masterClrMapping/>
-  </p:clrMapOvr>
-  <mc:AlternateContent xmlns:mc="http://schemas.openxmlformats.org/markup-compatibility/2006" xmlns:p14="http://schemas.microsoft.com/office/powerpoint/2010/main">
-    <mc:Choice Requires="p14">
-      <p:transition spd="slow" p14:dur="2000"/>
-    </mc:Choice>
-    <mc:Fallback xmlns="">
-      <p:transition spd="slow"/>
-    </mc:Fallback>
-  </mc:AlternateContent>
-  <p:timing>
-    <p:tnLst>
-      <p:par>
-        <p:cTn id="1" dur="indefinite" restart="never" nodeType="tmRoot"/>
-      </p:par>
-    </p:tnLst>
-  </p:timing>
-</p:sld>
-</file>
-
-<file path=ppt/slides/slide3.xml><?xml version="1.0" encoding="utf-8"?>
-<p:sld xmlns:a="http://schemas.openxmlformats.org/drawingml/2006/main" xmlns:r="http://schemas.openxmlformats.org/officeDocument/2006/relationships" xmlns:p="http://schemas.openxmlformats.org/presentationml/2006/main" show="0">
-  <p:cSld>
-    <p:spTree>
-      <p:nvGrpSpPr>
-        <p:cNvPr id="1" name=""/>
-        <p:cNvGrpSpPr/>
-        <p:nvPr/>
-      </p:nvGrpSpPr>
-      <p:grpSpPr>
-        <a:xfrm>
-          <a:off x="0" y="0"/>
-          <a:ext cx="0" cy="0"/>
-          <a:chOff x="0" y="0"/>
-          <a:chExt cx="0" cy="0"/>
-        </a:xfrm>
-      </p:grpSpPr>
-      <p:sp>
-        <p:nvSpPr>
-          <p:cNvPr id="2" name="Title 1"/>
-          <p:cNvSpPr>
-            <a:spLocks noGrp="1"/>
-          </p:cNvSpPr>
-          <p:nvPr>
-            <p:ph type="title"/>
-          </p:nvPr>
-        </p:nvSpPr>
-        <p:spPr/>
-        <p:txBody>
-          <a:bodyPr/>
-          <a:lstStyle/>
-          <a:p>
-            <a:r>
-              <a:rPr lang="en-US" dirty="0" smtClean="0"/>
-              <a:t>In-Class Programming Exercise </a:t>
-            </a:r>
-            <a:endParaRPr lang="en-US" dirty="0"/>
-          </a:p>
-        </p:txBody>
-      </p:sp>
-      <p:sp>
-        <p:nvSpPr>
-          <p:cNvPr id="3" name="Content Placeholder 2"/>
-          <p:cNvSpPr>
-            <a:spLocks noGrp="1"/>
-          </p:cNvSpPr>
-          <p:nvPr>
-            <p:ph idx="1"/>
-          </p:nvPr>
-        </p:nvSpPr>
-        <p:spPr/>
-        <p:txBody>
-          <a:bodyPr/>
-          <a:lstStyle/>
-          <a:p>
-            <a:endParaRPr lang="en-US" sz="1800" dirty="0"/>
-          </a:p>
-        </p:txBody>
-      </p:sp>
-      <p:sp>
-        <p:nvSpPr>
-          <p:cNvPr id="4" name="Rectangle 3"/>
-          <p:cNvSpPr/>
-          <p:nvPr/>
-        </p:nvSpPr>
-        <p:spPr>
-          <a:xfrm>
-            <a:off x="3141480" y="659685"/>
-            <a:ext cx="2861040" cy="461665"/>
-          </a:xfrm>
-          <a:prstGeom prst="rect">
-            <a:avLst/>
-          </a:prstGeom>
-        </p:spPr>
-        <p:txBody>
-          <a:bodyPr wrap="none">
-            <a:spAutoFit/>
-          </a:bodyPr>
-          <a:lstStyle/>
-          <a:p>
-            <a:r>
-              <a:rPr lang="en-US" dirty="0"/>
-              <a:t>(see </a:t>
-            </a:r>
-            <a:r>
-              <a:rPr lang="en-US" dirty="0" err="1"/>
-              <a:t>interruptTones.c</a:t>
-            </a:r>
-            <a:r>
-              <a:rPr lang="en-US" dirty="0"/>
-              <a:t>)</a:t>
-            </a:r>
-          </a:p>
-        </p:txBody>
-      </p:sp>
-      <p:sp>
-        <p:nvSpPr>
-          <p:cNvPr id="7" name="Rectangle 6"/>
-          <p:cNvSpPr/>
-          <p:nvPr/>
-        </p:nvSpPr>
-        <p:spPr>
-          <a:xfrm>
-            <a:off x="0" y="6172174"/>
-            <a:ext cx="9144000" cy="707886"/>
-          </a:xfrm>
-          <a:prstGeom prst="rect">
-            <a:avLst/>
-          </a:prstGeom>
-        </p:spPr>
-        <p:txBody>
-          <a:bodyPr wrap="square">
-            <a:spAutoFit/>
-          </a:bodyPr>
-          <a:lstStyle/>
-          <a:p>
-            <a:pPr algn="ctr">
-              <a:spcBef>
-                <a:spcPts val="0"/>
-              </a:spcBef>
-            </a:pPr>
-            <a:r>
-              <a:rPr lang="en-US" sz="2000" dirty="0"/>
-              <a:t>Setup for the hooking up 3.5mm Audio Jack to the MSP430 Launchpad Board</a:t>
-            </a:r>
-          </a:p>
-          <a:p>
-            <a:pPr algn="ctr">
-              <a:spcBef>
-                <a:spcPts val="0"/>
-              </a:spcBef>
-            </a:pPr>
-            <a:r>
-              <a:rPr lang="en-US" sz="2000" dirty="0" smtClean="0"/>
-              <a:t>without </a:t>
-            </a:r>
-            <a:r>
-              <a:rPr lang="en-US" sz="2000" dirty="0"/>
-              <a:t>Volume Control</a:t>
-            </a:r>
-          </a:p>
-        </p:txBody>
-      </p:sp>
-      <p:pic>
-        <p:nvPicPr>
-          <p:cNvPr id="3074" name="Picture 2"/>
-          <p:cNvPicPr>
-            <a:picLocks noChangeAspect="1" noChangeArrowheads="1"/>
-          </p:cNvPicPr>
-          <p:nvPr/>
-        </p:nvPicPr>
-        <p:blipFill>
-          <a:blip r:embed="rId2">
-            <a:extLst>
-              <a:ext uri="{28A0092B-C50C-407E-A947-70E740481C1C}">
-                <a14:useLocalDpi xmlns:a14="http://schemas.microsoft.com/office/drawing/2010/main" val="0"/>
-              </a:ext>
-            </a:extLst>
-          </a:blip>
-          <a:srcRect/>
-          <a:stretch>
-            <a:fillRect/>
-          </a:stretch>
-        </p:blipFill>
-        <p:spPr bwMode="auto">
-          <a:xfrm>
-            <a:off x="609600" y="1450223"/>
-            <a:ext cx="7924800" cy="4667250"/>
-          </a:xfrm>
-          <a:prstGeom prst="rect">
-            <a:avLst/>
-          </a:prstGeom>
-          <a:noFill/>
-          <a:ln>
-            <a:noFill/>
-          </a:ln>
-          <a:extLst>
-            <a:ext uri="{909E8E84-426E-40DD-AFC4-6F175D3DCCD1}">
-              <a14:hiddenFill xmlns:a14="http://schemas.microsoft.com/office/drawing/2010/main">
-                <a:solidFill>
-                  <a:schemeClr val="accent1"/>
-                </a:solidFill>
-              </a14:hiddenFill>
-            </a:ext>
-            <a:ext uri="{91240B29-F687-4F45-9708-019B960494DF}">
-              <a14:hiddenLine xmlns:a14="http://schemas.microsoft.com/office/drawing/2010/main" w="9525">
-                <a:solidFill>
-                  <a:schemeClr val="tx1"/>
-                </a:solidFill>
-                <a:miter lim="800000"/>
-                <a:headEnd/>
-                <a:tailEnd/>
-              </a14:hiddenLine>
-            </a:ext>
-          </a:extLst>
-        </p:spPr>
-      </p:pic>
-    </p:spTree>
-    <p:extLst>
-      <p:ext uri="{BB962C8B-B14F-4D97-AF65-F5344CB8AC3E}">
-        <p14:creationId xmlns:p14="http://schemas.microsoft.com/office/powerpoint/2010/main" val="2149885382"/>
-      </p:ext>
-    </p:extLst>
-  </p:cSld>
-  <p:clrMapOvr>
-    <a:masterClrMapping/>
-  </p:clrMapOvr>
-  <mc:AlternateContent xmlns:mc="http://schemas.openxmlformats.org/markup-compatibility/2006" xmlns:p14="http://schemas.microsoft.com/office/powerpoint/2010/main">
-    <mc:Choice Requires="p14">
-      <p:transition spd="slow" p14:dur="2000"/>
-    </mc:Choice>
-    <mc:Fallback xmlns="">
-      <p:transition spd="slow"/>
-    </mc:Fallback>
-  </mc:AlternateContent>
-  <p:timing>
-    <p:tnLst>
-      <p:par>
-        <p:cTn id="1" dur="indefinite" restart="never" nodeType="tmRoot"/>
-      </p:par>
-    </p:tnLst>
-  </p:timing>
-</p:sld>
-</file>
-
-<file path=ppt/slides/slide4.xml><?xml version="1.0" encoding="utf-8"?>
 <p:sld xmlns:a="http://schemas.openxmlformats.org/drawingml/2006/main" xmlns:r="http://schemas.openxmlformats.org/officeDocument/2006/relationships" xmlns:p="http://schemas.openxmlformats.org/presentationml/2006/main">
   <p:cSld>
     <p:spTree>
@@ -7065,121 +6497,17 @@
           <a:p>
             <a:r>
               <a:rPr lang="en-US" dirty="0" smtClean="0"/>
-              <a:t>In-Class Programming Exercise </a:t>
+              <a:t>Speaker Connectors</a:t>
             </a:r>
             <a:endParaRPr lang="en-US" dirty="0"/>
-          </a:p>
-        </p:txBody>
-      </p:sp>
-      <p:sp>
-        <p:nvSpPr>
-          <p:cNvPr id="3" name="Content Placeholder 2"/>
-          <p:cNvSpPr>
-            <a:spLocks noGrp="1"/>
-          </p:cNvSpPr>
-          <p:nvPr>
-            <p:ph idx="1"/>
-          </p:nvPr>
-        </p:nvSpPr>
-        <p:spPr/>
-        <p:txBody>
-          <a:bodyPr/>
-          <a:lstStyle/>
-          <a:p>
-            <a:endParaRPr lang="en-US" sz="1800" dirty="0"/>
-          </a:p>
-        </p:txBody>
-      </p:sp>
-      <p:sp>
-        <p:nvSpPr>
-          <p:cNvPr id="4" name="Rectangle 3"/>
-          <p:cNvSpPr/>
-          <p:nvPr/>
-        </p:nvSpPr>
-        <p:spPr>
-          <a:xfrm>
-            <a:off x="3141480" y="659685"/>
-            <a:ext cx="2861040" cy="461665"/>
-          </a:xfrm>
-          <a:prstGeom prst="rect">
-            <a:avLst/>
-          </a:prstGeom>
-        </p:spPr>
-        <p:txBody>
-          <a:bodyPr wrap="none">
-            <a:spAutoFit/>
-          </a:bodyPr>
-          <a:lstStyle/>
-          <a:p>
-            <a:r>
-              <a:rPr lang="en-US" dirty="0"/>
-              <a:t>(see </a:t>
-            </a:r>
-            <a:r>
-              <a:rPr lang="en-US" dirty="0" err="1"/>
-              <a:t>interruptTones.c</a:t>
-            </a:r>
-            <a:r>
-              <a:rPr lang="en-US" dirty="0"/>
-              <a:t>)</a:t>
-            </a:r>
-          </a:p>
-        </p:txBody>
-      </p:sp>
-      <p:sp>
-        <p:nvSpPr>
-          <p:cNvPr id="7" name="Rectangle 6"/>
-          <p:cNvSpPr/>
-          <p:nvPr/>
-        </p:nvSpPr>
-        <p:spPr>
-          <a:xfrm>
-            <a:off x="0" y="6172174"/>
-            <a:ext cx="9144000" cy="707886"/>
-          </a:xfrm>
-          <a:prstGeom prst="rect">
-            <a:avLst/>
-          </a:prstGeom>
-        </p:spPr>
-        <p:txBody>
-          <a:bodyPr wrap="square">
-            <a:spAutoFit/>
-          </a:bodyPr>
-          <a:lstStyle/>
-          <a:p>
-            <a:pPr algn="ctr">
-              <a:spcBef>
-                <a:spcPts val="0"/>
-              </a:spcBef>
-            </a:pPr>
-            <a:r>
-              <a:rPr lang="en-US" sz="2000" dirty="0"/>
-              <a:t>Setup for the hooking up 3.5mm Audio Jack to the MSP430 Launchpad </a:t>
-            </a:r>
-            <a:r>
-              <a:rPr lang="en-US" sz="2000" dirty="0" smtClean="0"/>
-              <a:t>Board</a:t>
-            </a:r>
-          </a:p>
-          <a:p>
-            <a:pPr algn="ctr">
-              <a:spcBef>
-                <a:spcPts val="0"/>
-              </a:spcBef>
-            </a:pPr>
-            <a:r>
-              <a:rPr lang="en-US" sz="2000" dirty="0" smtClean="0"/>
-              <a:t>with Volume Control</a:t>
-            </a:r>
-            <a:endParaRPr lang="en-US" sz="2000" dirty="0"/>
           </a:p>
         </p:txBody>
       </p:sp>
       <p:pic>
         <p:nvPicPr>
-          <p:cNvPr id="8" name="Picture 2"/>
+          <p:cNvPr id="4" name="Picture 3"/>
           <p:cNvPicPr>
-            <a:picLocks noChangeAspect="1" noChangeArrowheads="1"/>
+            <a:picLocks noChangeAspect="1"/>
           </p:cNvPicPr>
           <p:nvPr/>
         </p:nvPicPr>
@@ -7191,65 +6519,340 @@
               </a:ext>
             </a:extLst>
           </a:blip>
-          <a:srcRect/>
           <a:stretch>
             <a:fillRect/>
           </a:stretch>
         </p:blipFill>
-        <p:spPr bwMode="auto">
+        <p:spPr>
           <a:xfrm>
-            <a:off x="354251" y="1377857"/>
-            <a:ext cx="8435498" cy="4757392"/>
+            <a:off x="1604141" y="1815005"/>
+            <a:ext cx="5715000" cy="1714500"/>
           </a:xfrm>
           <a:prstGeom prst="rect">
             <a:avLst/>
           </a:prstGeom>
-          <a:noFill/>
-          <a:ln>
-            <a:noFill/>
+        </p:spPr>
+      </p:pic>
+      <p:pic>
+        <p:nvPicPr>
+          <p:cNvPr id="5" name="Picture 4"/>
+          <p:cNvPicPr>
+            <a:picLocks noChangeAspect="1"/>
+          </p:cNvPicPr>
+          <p:nvPr/>
+        </p:nvPicPr>
+        <p:blipFill>
+          <a:blip r:embed="rId3">
+            <a:extLst>
+              <a:ext uri="{28A0092B-C50C-407E-A947-70E740481C1C}">
+                <a14:useLocalDpi xmlns:a14="http://schemas.microsoft.com/office/drawing/2010/main" val="0"/>
+              </a:ext>
+            </a:extLst>
+          </a:blip>
+          <a:stretch>
+            <a:fillRect/>
+          </a:stretch>
+        </p:blipFill>
+        <p:spPr>
+          <a:xfrm>
+            <a:off x="1604141" y="3872406"/>
+            <a:ext cx="5715000" cy="1714500"/>
+          </a:xfrm>
+          <a:prstGeom prst="rect">
+            <a:avLst/>
+          </a:prstGeom>
+        </p:spPr>
+      </p:pic>
+      <p:sp>
+        <p:nvSpPr>
+          <p:cNvPr id="6" name="Rectangular Callout 5"/>
+          <p:cNvSpPr/>
+          <p:nvPr/>
+        </p:nvSpPr>
+        <p:spPr bwMode="auto">
+          <a:xfrm>
+            <a:off x="2900854" y="5929807"/>
+            <a:ext cx="3121573" cy="851338"/>
+          </a:xfrm>
+          <a:prstGeom prst="wedgeRectCallout">
+            <a:avLst>
+              <a:gd name="adj1" fmla="val -7023"/>
+              <a:gd name="adj2" fmla="val -93982"/>
+            </a:avLst>
+          </a:prstGeom>
+          <a:solidFill>
+            <a:srgbClr val="FFFF00"/>
+          </a:solidFill>
+          <a:ln w="12700" cap="flat" cmpd="sng" algn="ctr">
+            <a:solidFill>
+              <a:schemeClr val="tx1"/>
+            </a:solidFill>
+            <a:prstDash val="solid"/>
+            <a:round/>
+            <a:headEnd type="none" w="med" len="med"/>
+            <a:tailEnd type="none" w="med" len="med"/>
           </a:ln>
-          <a:extLst>
-            <a:ext uri="{909E8E84-426E-40DD-AFC4-6F175D3DCCD1}">
-              <a14:hiddenFill xmlns:a14="http://schemas.microsoft.com/office/drawing/2010/main">
-                <a:solidFill>
-                  <a:schemeClr val="accent1"/>
-                </a:solidFill>
-              </a14:hiddenFill>
-            </a:ext>
-            <a:ext uri="{91240B29-F687-4F45-9708-019B960494DF}">
-              <a14:hiddenLine xmlns:a14="http://schemas.microsoft.com/office/drawing/2010/main" w="9525">
+          <a:effectLst/>
+        </p:spPr>
+        <p:txBody>
+          <a:bodyPr vert="horz" wrap="square" lIns="91440" tIns="45720" rIns="91440" bIns="45720" numCol="1" rtlCol="0" anchor="t" anchorCtr="0" compatLnSpc="1">
+            <a:prstTxWarp prst="textNoShape">
+              <a:avLst/>
+            </a:prstTxWarp>
+          </a:bodyPr>
+          <a:lstStyle/>
+          <a:p>
+            <a:pPr marL="0" marR="0" indent="0" algn="ctr" defTabSz="914400" rtl="0" eaLnBrk="0" fontAlgn="base" latinLnBrk="0" hangingPunct="0">
+              <a:lnSpc>
+                <a:spcPct val="100000"/>
+              </a:lnSpc>
+              <a:spcBef>
+                <a:spcPct val="0"/>
+              </a:spcBef>
+              <a:spcAft>
+                <a:spcPct val="0"/>
+              </a:spcAft>
+              <a:buClrTx/>
+              <a:buSzTx/>
+              <a:buFontTx/>
+              <a:buNone/>
+              <a:tabLst/>
+            </a:pPr>
+            <a:r>
+              <a:rPr kumimoji="0" lang="en-US" sz="1600" b="0" i="0" u="none" strike="noStrike" cap="none" normalizeH="0" baseline="0" dirty="0" smtClean="0">
+                <a:ln>
+                  <a:noFill/>
+                </a:ln>
                 <a:solidFill>
                   <a:schemeClr val="tx1"/>
                 </a:solidFill>
-                <a:miter lim="800000"/>
-                <a:headEnd/>
-                <a:tailEnd/>
-              </a14:hiddenLine>
-            </a:ext>
-          </a:extLst>
+                <a:effectLst/>
+                <a:latin typeface="Arial" charset="0"/>
+              </a:rPr>
+              <a:t>Our speakers have this connection and are stereo, but we</a:t>
+            </a:r>
+            <a:r>
+              <a:rPr kumimoji="0" lang="en-US" sz="1600" b="0" i="0" u="none" strike="noStrike" cap="none" normalizeH="0" dirty="0" smtClean="0">
+                <a:ln>
+                  <a:noFill/>
+                </a:ln>
+                <a:solidFill>
+                  <a:schemeClr val="tx1"/>
+                </a:solidFill>
+                <a:effectLst/>
+                <a:latin typeface="Arial" charset="0"/>
+              </a:rPr>
+              <a:t> will produce a mono sound</a:t>
+            </a:r>
+            <a:endParaRPr kumimoji="0" lang="en-US" sz="1600" b="0" i="0" u="none" strike="noStrike" cap="none" normalizeH="0" baseline="0" dirty="0" smtClean="0">
+              <a:ln>
+                <a:noFill/>
+              </a:ln>
+              <a:solidFill>
+                <a:schemeClr val="tx1"/>
+              </a:solidFill>
+              <a:effectLst/>
+              <a:latin typeface="Arial" charset="0"/>
+            </a:endParaRPr>
+          </a:p>
+        </p:txBody>
+      </p:sp>
+      <p:sp>
+        <p:nvSpPr>
+          <p:cNvPr id="7" name="Rectangular Callout 6"/>
+          <p:cNvSpPr/>
+          <p:nvPr/>
+        </p:nvSpPr>
+        <p:spPr bwMode="auto">
+          <a:xfrm>
+            <a:off x="7128642" y="1962117"/>
+            <a:ext cx="1810408" cy="1420276"/>
+          </a:xfrm>
+          <a:prstGeom prst="wedgeRectCallout">
+            <a:avLst>
+              <a:gd name="adj1" fmla="val -77995"/>
+              <a:gd name="adj2" fmla="val -5179"/>
+            </a:avLst>
+          </a:prstGeom>
+          <a:solidFill>
+            <a:srgbClr val="FFFF00"/>
+          </a:solidFill>
+          <a:ln w="12700" cap="flat" cmpd="sng" algn="ctr">
+            <a:solidFill>
+              <a:schemeClr val="tx1"/>
+            </a:solidFill>
+            <a:prstDash val="solid"/>
+            <a:round/>
+            <a:headEnd type="none" w="med" len="med"/>
+            <a:tailEnd type="none" w="med" len="med"/>
+          </a:ln>
+          <a:effectLst/>
         </p:spPr>
-      </p:pic>
+        <p:txBody>
+          <a:bodyPr vert="horz" wrap="square" lIns="91440" tIns="45720" rIns="91440" bIns="45720" numCol="1" rtlCol="0" anchor="t" anchorCtr="0" compatLnSpc="1">
+            <a:prstTxWarp prst="textNoShape">
+              <a:avLst/>
+            </a:prstTxWarp>
+          </a:bodyPr>
+          <a:lstStyle/>
+          <a:p>
+            <a:pPr marL="0" marR="0" indent="0" algn="ctr" defTabSz="914400" rtl="0" eaLnBrk="0" fontAlgn="base" latinLnBrk="0" hangingPunct="0">
+              <a:lnSpc>
+                <a:spcPct val="100000"/>
+              </a:lnSpc>
+              <a:spcBef>
+                <a:spcPct val="0"/>
+              </a:spcBef>
+              <a:spcAft>
+                <a:spcPct val="0"/>
+              </a:spcAft>
+              <a:buClrTx/>
+              <a:buSzTx/>
+              <a:buFontTx/>
+              <a:buNone/>
+              <a:tabLst/>
+            </a:pPr>
+            <a:r>
+              <a:rPr kumimoji="0" lang="en-US" sz="1600" b="0" i="0" u="none" strike="noStrike" cap="none" normalizeH="0" baseline="0" dirty="0" smtClean="0">
+                <a:ln>
+                  <a:noFill/>
+                </a:ln>
+                <a:solidFill>
+                  <a:schemeClr val="tx1"/>
+                </a:solidFill>
+                <a:effectLst/>
+                <a:latin typeface="Arial" charset="0"/>
+              </a:rPr>
+              <a:t>Our connectors</a:t>
+            </a:r>
+            <a:r>
+              <a:rPr kumimoji="0" lang="en-US" sz="1600" b="0" i="0" u="none" strike="noStrike" cap="none" normalizeH="0" dirty="0" smtClean="0">
+                <a:ln>
+                  <a:noFill/>
+                </a:ln>
+                <a:solidFill>
+                  <a:schemeClr val="tx1"/>
+                </a:solidFill>
+                <a:effectLst/>
+                <a:latin typeface="Arial" charset="0"/>
+              </a:rPr>
+              <a:t> are TRRS:</a:t>
+            </a:r>
+          </a:p>
+          <a:p>
+            <a:pPr marL="0" marR="0" indent="0" algn="ctr" defTabSz="914400" rtl="0" eaLnBrk="0" fontAlgn="base" latinLnBrk="0" hangingPunct="0">
+              <a:lnSpc>
+                <a:spcPct val="100000"/>
+              </a:lnSpc>
+              <a:spcBef>
+                <a:spcPct val="0"/>
+              </a:spcBef>
+              <a:spcAft>
+                <a:spcPct val="0"/>
+              </a:spcAft>
+              <a:buClrTx/>
+              <a:buSzTx/>
+              <a:buFontTx/>
+              <a:buNone/>
+              <a:tabLst/>
+            </a:pPr>
+            <a:endParaRPr lang="en-US" sz="1600" baseline="0" dirty="0">
+              <a:latin typeface="Arial" charset="0"/>
+            </a:endParaRPr>
+          </a:p>
+          <a:p>
+            <a:pPr marL="0" marR="0" indent="0" algn="ctr" defTabSz="914400" rtl="0" eaLnBrk="0" fontAlgn="base" latinLnBrk="0" hangingPunct="0">
+              <a:lnSpc>
+                <a:spcPct val="100000"/>
+              </a:lnSpc>
+              <a:spcBef>
+                <a:spcPct val="0"/>
+              </a:spcBef>
+              <a:spcAft>
+                <a:spcPct val="0"/>
+              </a:spcAft>
+              <a:buClrTx/>
+              <a:buSzTx/>
+              <a:buFontTx/>
+              <a:buNone/>
+              <a:tabLst/>
+            </a:pPr>
+            <a:r>
+              <a:rPr kumimoji="0" lang="en-US" sz="1600" b="0" i="0" u="none" strike="noStrike" cap="none" normalizeH="0" dirty="0" smtClean="0">
+                <a:ln>
+                  <a:noFill/>
+                </a:ln>
+                <a:solidFill>
+                  <a:schemeClr val="tx1"/>
+                </a:solidFill>
+                <a:effectLst/>
+                <a:latin typeface="Arial" charset="0"/>
+              </a:rPr>
+              <a:t>Tip: signal</a:t>
+            </a:r>
+          </a:p>
+          <a:p>
+            <a:pPr marL="0" marR="0" indent="0" algn="ctr" defTabSz="914400" rtl="0" eaLnBrk="0" fontAlgn="base" latinLnBrk="0" hangingPunct="0">
+              <a:lnSpc>
+                <a:spcPct val="100000"/>
+              </a:lnSpc>
+              <a:spcBef>
+                <a:spcPct val="0"/>
+              </a:spcBef>
+              <a:spcAft>
+                <a:spcPct val="0"/>
+              </a:spcAft>
+              <a:buClrTx/>
+              <a:buSzTx/>
+              <a:buFontTx/>
+              <a:buNone/>
+              <a:tabLst/>
+            </a:pPr>
+            <a:r>
+              <a:rPr lang="en-US" sz="1600" baseline="0" dirty="0" smtClean="0">
+                <a:latin typeface="Arial" charset="0"/>
+              </a:rPr>
+              <a:t>Sleeve:</a:t>
+            </a:r>
+            <a:r>
+              <a:rPr lang="en-US" sz="1600" dirty="0" smtClean="0">
+                <a:latin typeface="Arial" charset="0"/>
+              </a:rPr>
+              <a:t> </a:t>
+            </a:r>
+            <a:r>
+              <a:rPr lang="en-US" sz="1600" dirty="0" err="1" smtClean="0">
+                <a:latin typeface="Arial" charset="0"/>
+              </a:rPr>
+              <a:t>Gnd</a:t>
+            </a:r>
+            <a:endParaRPr kumimoji="0" lang="en-US" sz="1600" b="0" i="0" u="none" strike="noStrike" cap="none" normalizeH="0" baseline="0" dirty="0" smtClean="0">
+              <a:ln>
+                <a:noFill/>
+              </a:ln>
+              <a:solidFill>
+                <a:schemeClr val="tx1"/>
+              </a:solidFill>
+              <a:effectLst/>
+              <a:latin typeface="Arial" charset="0"/>
+            </a:endParaRPr>
+          </a:p>
+        </p:txBody>
+      </p:sp>
     </p:spTree>
     <p:extLst>
       <p:ext uri="{BB962C8B-B14F-4D97-AF65-F5344CB8AC3E}">
-        <p14:creationId xmlns:p14="http://schemas.microsoft.com/office/powerpoint/2010/main" val="271665016"/>
+        <p14:creationId xmlns:p14="http://schemas.microsoft.com/office/powerpoint/2010/main" val="2143606274"/>
       </p:ext>
     </p:extLst>
   </p:cSld>
   <p:clrMapOvr>
     <a:masterClrMapping/>
   </p:clrMapOvr>
-  <p:timing>
-    <p:tnLst>
-      <p:par>
-        <p:cTn id="1" dur="indefinite" restart="never" nodeType="tmRoot"/>
-      </p:par>
-    </p:tnLst>
-  </p:timing>
 </p:sld>
 </file>
 
-<file path=ppt/slides/slide5.xml><?xml version="1.0" encoding="utf-8"?>
+<file path=ppt/slides/slide3.xml><?xml version="1.0" encoding="utf-8"?>
 <p:sld xmlns:a="http://schemas.openxmlformats.org/drawingml/2006/main" xmlns:r="http://schemas.openxmlformats.org/officeDocument/2006/relationships" xmlns:p="http://schemas.openxmlformats.org/presentationml/2006/main">
   <p:cSld>
     <p:spTree>
@@ -7289,370 +6892,374 @@
           </a:p>
         </p:txBody>
       </p:sp>
-      <p:sp>
-        <p:nvSpPr>
-          <p:cNvPr id="3" name="Content Placeholder 2"/>
-          <p:cNvSpPr>
-            <a:spLocks noGrp="1"/>
-          </p:cNvSpPr>
-          <p:nvPr>
-            <p:ph idx="1"/>
-          </p:nvPr>
-        </p:nvSpPr>
-        <p:spPr/>
-        <p:txBody>
-          <a:bodyPr/>
-          <a:lstStyle/>
-          <a:p>
-            <a:endParaRPr lang="en-US" sz="1800" dirty="0"/>
-          </a:p>
-        </p:txBody>
-      </p:sp>
-      <p:sp>
-        <p:nvSpPr>
-          <p:cNvPr id="4" name="Rectangle 3"/>
-          <p:cNvSpPr/>
+      <p:pic>
+        <p:nvPicPr>
+          <p:cNvPr id="5" name="Picture 4"/>
+          <p:cNvPicPr>
+            <a:picLocks noChangeAspect="1"/>
+          </p:cNvPicPr>
           <p:nvPr/>
-        </p:nvSpPr>
+        </p:nvPicPr>
+        <p:blipFill>
+          <a:blip r:embed="rId2"/>
+          <a:stretch>
+            <a:fillRect/>
+          </a:stretch>
+        </p:blipFill>
         <p:spPr>
           <a:xfrm>
-            <a:off x="3141480" y="659685"/>
-            <a:ext cx="2861040" cy="461665"/>
+            <a:off x="1332186" y="1676490"/>
+            <a:ext cx="6292412" cy="4574918"/>
           </a:xfrm>
           <a:prstGeom prst="rect">
             <a:avLst/>
           </a:prstGeom>
         </p:spPr>
-        <p:txBody>
-          <a:bodyPr wrap="none">
-            <a:spAutoFit/>
+      </p:pic>
+      <p:sp>
+        <p:nvSpPr>
+          <p:cNvPr id="9" name="Rectangular Callout 8"/>
+          <p:cNvSpPr/>
+          <p:nvPr/>
+        </p:nvSpPr>
+        <p:spPr bwMode="auto">
+          <a:xfrm>
+            <a:off x="5814190" y="2504056"/>
+            <a:ext cx="1810408" cy="1420276"/>
+          </a:xfrm>
+          <a:prstGeom prst="wedgeRectCallout">
+            <a:avLst>
+              <a:gd name="adj1" fmla="val -80172"/>
+              <a:gd name="adj2" fmla="val 116370"/>
+            </a:avLst>
+          </a:prstGeom>
+          <a:solidFill>
+            <a:srgbClr val="FFFF00"/>
+          </a:solidFill>
+          <a:ln w="12700" cap="flat" cmpd="sng" algn="ctr">
+            <a:solidFill>
+              <a:schemeClr val="tx1"/>
+            </a:solidFill>
+            <a:prstDash val="solid"/>
+            <a:round/>
+            <a:headEnd type="none" w="med" len="med"/>
+            <a:tailEnd type="none" w="med" len="med"/>
+          </a:ln>
+          <a:effectLst/>
+        </p:spPr>
+        <p:txBody>
+          <a:bodyPr vert="horz" wrap="square" lIns="91440" tIns="45720" rIns="91440" bIns="45720" numCol="1" rtlCol="0" anchor="t" anchorCtr="0" compatLnSpc="1">
+            <a:prstTxWarp prst="textNoShape">
+              <a:avLst/>
+            </a:prstTxWarp>
           </a:bodyPr>
           <a:lstStyle/>
           <a:p>
-            <a:r>
-              <a:rPr lang="en-US" dirty="0"/>
-              <a:t>(see </a:t>
-            </a:r>
-            <a:r>
-              <a:rPr lang="en-US" dirty="0" err="1"/>
-              <a:t>interruptTones.c</a:t>
-            </a:r>
-            <a:r>
-              <a:rPr lang="en-US" dirty="0"/>
-              <a:t>)</a:t>
-            </a:r>
-          </a:p>
-        </p:txBody>
-      </p:sp>
-      <p:sp>
-        <p:nvSpPr>
-          <p:cNvPr id="7" name="Rectangle 6"/>
-          <p:cNvSpPr/>
-          <p:nvPr/>
-        </p:nvSpPr>
-        <p:spPr>
-          <a:xfrm>
-            <a:off x="0" y="6172174"/>
-            <a:ext cx="9144000" cy="707886"/>
-          </a:xfrm>
-          <a:prstGeom prst="rect">
-            <a:avLst/>
-          </a:prstGeom>
-        </p:spPr>
-        <p:txBody>
-          <a:bodyPr wrap="square">
-            <a:spAutoFit/>
-          </a:bodyPr>
-          <a:lstStyle/>
-          <a:p>
-            <a:pPr algn="ctr">
+            <a:pPr marL="0" marR="0" indent="0" algn="ctr" defTabSz="914400" rtl="0" eaLnBrk="0" fontAlgn="base" latinLnBrk="0" hangingPunct="0">
+              <a:lnSpc>
+                <a:spcPct val="100000"/>
+              </a:lnSpc>
               <a:spcBef>
-                <a:spcPts val="0"/>
+                <a:spcPct val="0"/>
               </a:spcBef>
+              <a:spcAft>
+                <a:spcPct val="0"/>
+              </a:spcAft>
+              <a:buClrTx/>
+              <a:buSzTx/>
+              <a:buFontTx/>
+              <a:buNone/>
+              <a:tabLst/>
             </a:pPr>
             <a:r>
-              <a:rPr lang="en-US" sz="2000" dirty="0"/>
-              <a:t>Setup for the hooking up 3.5mm Audio Jack to the MSP430 Launchpad </a:t>
-            </a:r>
-            <a:r>
-              <a:rPr lang="en-US" sz="2000" dirty="0" smtClean="0"/>
-              <a:t>Board</a:t>
-            </a:r>
-          </a:p>
-          <a:p>
-            <a:pPr algn="ctr">
-              <a:spcBef>
-                <a:spcPts val="0"/>
-              </a:spcBef>
-            </a:pPr>
-            <a:r>
-              <a:rPr lang="en-US" sz="2000" dirty="0" smtClean="0"/>
-              <a:t>with Volume Control</a:t>
-            </a:r>
-            <a:endParaRPr lang="en-US" sz="2000" dirty="0"/>
-          </a:p>
-        </p:txBody>
-      </p:sp>
-      <p:pic>
-        <p:nvPicPr>
-          <p:cNvPr id="4098" name="Picture 2"/>
-          <p:cNvPicPr>
-            <a:picLocks noChangeAspect="1" noChangeArrowheads="1"/>
-          </p:cNvPicPr>
-          <p:nvPr/>
-        </p:nvPicPr>
-        <p:blipFill>
-          <a:blip r:embed="rId2">
-            <a:extLst>
-              <a:ext uri="{28A0092B-C50C-407E-A947-70E740481C1C}">
-                <a14:useLocalDpi xmlns:a14="http://schemas.microsoft.com/office/drawing/2010/main" val="0"/>
-              </a:ext>
-            </a:extLst>
-          </a:blip>
-          <a:srcRect/>
-          <a:stretch>
-            <a:fillRect/>
-          </a:stretch>
-        </p:blipFill>
-        <p:spPr bwMode="auto">
-          <a:xfrm>
-            <a:off x="407869" y="1660156"/>
-            <a:ext cx="8367642" cy="4274680"/>
-          </a:xfrm>
-          <a:prstGeom prst="rect">
-            <a:avLst/>
-          </a:prstGeom>
-          <a:noFill/>
-          <a:ln>
-            <a:noFill/>
-          </a:ln>
-          <a:extLst>
-            <a:ext uri="{909E8E84-426E-40DD-AFC4-6F175D3DCCD1}">
-              <a14:hiddenFill xmlns:a14="http://schemas.microsoft.com/office/drawing/2010/main">
-                <a:solidFill>
-                  <a:schemeClr val="accent1"/>
-                </a:solidFill>
-              </a14:hiddenFill>
-            </a:ext>
-            <a:ext uri="{91240B29-F687-4F45-9708-019B960494DF}">
-              <a14:hiddenLine xmlns:a14="http://schemas.microsoft.com/office/drawing/2010/main" w="9525">
+              <a:rPr kumimoji="0" lang="en-US" sz="1600" b="0" i="0" u="none" strike="noStrike" cap="none" normalizeH="0" baseline="0" dirty="0" smtClean="0">
+                <a:ln>
+                  <a:noFill/>
+                </a:ln>
                 <a:solidFill>
                   <a:schemeClr val="tx1"/>
                 </a:solidFill>
-                <a:miter lim="800000"/>
-                <a:headEnd/>
-                <a:tailEnd/>
-              </a14:hiddenLine>
-            </a:ext>
-          </a:extLst>
+                <a:effectLst/>
+                <a:latin typeface="Arial" charset="0"/>
+              </a:rPr>
+              <a:t>Our connectors</a:t>
+            </a:r>
+            <a:r>
+              <a:rPr kumimoji="0" lang="en-US" sz="1600" b="0" i="0" u="none" strike="noStrike" cap="none" normalizeH="0" dirty="0" smtClean="0">
+                <a:ln>
+                  <a:noFill/>
+                </a:ln>
+                <a:solidFill>
+                  <a:schemeClr val="tx1"/>
+                </a:solidFill>
+                <a:effectLst/>
+                <a:latin typeface="Arial" charset="0"/>
+              </a:rPr>
+              <a:t> are TRRS:</a:t>
+            </a:r>
+          </a:p>
+          <a:p>
+            <a:pPr marL="0" marR="0" indent="0" algn="ctr" defTabSz="914400" rtl="0" eaLnBrk="0" fontAlgn="base" latinLnBrk="0" hangingPunct="0">
+              <a:lnSpc>
+                <a:spcPct val="100000"/>
+              </a:lnSpc>
+              <a:spcBef>
+                <a:spcPct val="0"/>
+              </a:spcBef>
+              <a:spcAft>
+                <a:spcPct val="0"/>
+              </a:spcAft>
+              <a:buClrTx/>
+              <a:buSzTx/>
+              <a:buFontTx/>
+              <a:buNone/>
+              <a:tabLst/>
+            </a:pPr>
+            <a:endParaRPr lang="en-US" sz="1600" baseline="0" dirty="0">
+              <a:latin typeface="Arial" charset="0"/>
+            </a:endParaRPr>
+          </a:p>
+          <a:p>
+            <a:pPr marL="0" marR="0" indent="0" algn="ctr" defTabSz="914400" rtl="0" eaLnBrk="0" fontAlgn="base" latinLnBrk="0" hangingPunct="0">
+              <a:lnSpc>
+                <a:spcPct val="100000"/>
+              </a:lnSpc>
+              <a:spcBef>
+                <a:spcPct val="0"/>
+              </a:spcBef>
+              <a:spcAft>
+                <a:spcPct val="0"/>
+              </a:spcAft>
+              <a:buClrTx/>
+              <a:buSzTx/>
+              <a:buFontTx/>
+              <a:buNone/>
+              <a:tabLst/>
+            </a:pPr>
+            <a:r>
+              <a:rPr kumimoji="0" lang="en-US" sz="1600" b="0" i="0" u="none" strike="noStrike" cap="none" normalizeH="0" dirty="0" smtClean="0">
+                <a:ln>
+                  <a:noFill/>
+                </a:ln>
+                <a:solidFill>
+                  <a:schemeClr val="tx1"/>
+                </a:solidFill>
+                <a:effectLst/>
+                <a:latin typeface="Arial" charset="0"/>
+              </a:rPr>
+              <a:t>Tip: signal</a:t>
+            </a:r>
+          </a:p>
+          <a:p>
+            <a:pPr marL="0" marR="0" indent="0" algn="ctr" defTabSz="914400" rtl="0" eaLnBrk="0" fontAlgn="base" latinLnBrk="0" hangingPunct="0">
+              <a:lnSpc>
+                <a:spcPct val="100000"/>
+              </a:lnSpc>
+              <a:spcBef>
+                <a:spcPct val="0"/>
+              </a:spcBef>
+              <a:spcAft>
+                <a:spcPct val="0"/>
+              </a:spcAft>
+              <a:buClrTx/>
+              <a:buSzTx/>
+              <a:buFontTx/>
+              <a:buNone/>
+              <a:tabLst/>
+            </a:pPr>
+            <a:r>
+              <a:rPr lang="en-US" sz="1600" baseline="0" dirty="0" smtClean="0">
+                <a:latin typeface="Arial" charset="0"/>
+              </a:rPr>
+              <a:t>Sleeve:</a:t>
+            </a:r>
+            <a:r>
+              <a:rPr lang="en-US" sz="1600" dirty="0" smtClean="0">
+                <a:latin typeface="Arial" charset="0"/>
+              </a:rPr>
+              <a:t> </a:t>
+            </a:r>
+            <a:r>
+              <a:rPr lang="en-US" sz="1600" dirty="0" err="1" smtClean="0">
+                <a:latin typeface="Arial" charset="0"/>
+              </a:rPr>
+              <a:t>Gnd</a:t>
+            </a:r>
+            <a:endParaRPr kumimoji="0" lang="en-US" sz="1600" b="0" i="0" u="none" strike="noStrike" cap="none" normalizeH="0" baseline="0" dirty="0" smtClean="0">
+              <a:ln>
+                <a:noFill/>
+              </a:ln>
+              <a:solidFill>
+                <a:schemeClr val="tx1"/>
+              </a:solidFill>
+              <a:effectLst/>
+              <a:latin typeface="Arial" charset="0"/>
+            </a:endParaRPr>
+          </a:p>
+        </p:txBody>
+      </p:sp>
+      <p:sp>
+        <p:nvSpPr>
+          <p:cNvPr id="10" name="Rectangular Callout 9"/>
+          <p:cNvSpPr/>
+          <p:nvPr/>
+        </p:nvSpPr>
+        <p:spPr bwMode="auto">
+          <a:xfrm>
+            <a:off x="236482" y="5136748"/>
+            <a:ext cx="3397469" cy="1114660"/>
+          </a:xfrm>
+          <a:prstGeom prst="wedgeRectCallout">
+            <a:avLst>
+              <a:gd name="adj1" fmla="val 59166"/>
+              <a:gd name="adj2" fmla="val -73758"/>
+            </a:avLst>
+          </a:prstGeom>
+          <a:solidFill>
+            <a:srgbClr val="FFFF00"/>
+          </a:solidFill>
+          <a:ln w="12700" cap="flat" cmpd="sng" algn="ctr">
+            <a:solidFill>
+              <a:schemeClr val="tx1"/>
+            </a:solidFill>
+            <a:prstDash val="solid"/>
+            <a:round/>
+            <a:headEnd type="none" w="med" len="med"/>
+            <a:tailEnd type="none" w="med" len="med"/>
+          </a:ln>
+          <a:effectLst/>
         </p:spPr>
-      </p:pic>
+        <p:txBody>
+          <a:bodyPr vert="horz" wrap="square" lIns="91440" tIns="45720" rIns="91440" bIns="45720" numCol="1" rtlCol="0" anchor="t" anchorCtr="0" compatLnSpc="1">
+            <a:prstTxWarp prst="textNoShape">
+              <a:avLst/>
+            </a:prstTxWarp>
+          </a:bodyPr>
+          <a:lstStyle/>
+          <a:p>
+            <a:pPr marL="0" marR="0" indent="0" algn="ctr" defTabSz="914400" rtl="0" eaLnBrk="0" fontAlgn="base" latinLnBrk="0" hangingPunct="0">
+              <a:lnSpc>
+                <a:spcPct val="100000"/>
+              </a:lnSpc>
+              <a:spcBef>
+                <a:spcPct val="0"/>
+              </a:spcBef>
+              <a:spcAft>
+                <a:spcPct val="0"/>
+              </a:spcAft>
+              <a:buClrTx/>
+              <a:buSzTx/>
+              <a:buFontTx/>
+              <a:buNone/>
+              <a:tabLst/>
+            </a:pPr>
+            <a:r>
+              <a:rPr kumimoji="0" lang="en-US" sz="1600" b="0" i="0" u="none" strike="noStrike" cap="none" normalizeH="0" baseline="0" dirty="0" smtClean="0">
+                <a:ln>
+                  <a:noFill/>
+                </a:ln>
+                <a:solidFill>
+                  <a:schemeClr val="tx1"/>
+                </a:solidFill>
+                <a:effectLst/>
+                <a:latin typeface="Arial" charset="0"/>
+              </a:rPr>
+              <a:t>Potentiometer will control the volume.</a:t>
+            </a:r>
+            <a:r>
+              <a:rPr kumimoji="0" lang="en-US" sz="1600" b="0" i="0" u="none" strike="noStrike" cap="none" normalizeH="0" dirty="0" smtClean="0">
+                <a:ln>
+                  <a:noFill/>
+                </a:ln>
+                <a:solidFill>
+                  <a:schemeClr val="tx1"/>
+                </a:solidFill>
+                <a:effectLst/>
+                <a:latin typeface="Arial" charset="0"/>
+              </a:rPr>
+              <a:t> It is just a variable resistor:</a:t>
+            </a:r>
+          </a:p>
+          <a:p>
+            <a:pPr marL="0" marR="0" indent="0" algn="ctr" defTabSz="914400" rtl="0" eaLnBrk="0" fontAlgn="base" latinLnBrk="0" hangingPunct="0">
+              <a:lnSpc>
+                <a:spcPct val="100000"/>
+              </a:lnSpc>
+              <a:spcBef>
+                <a:spcPct val="0"/>
+              </a:spcBef>
+              <a:spcAft>
+                <a:spcPct val="0"/>
+              </a:spcAft>
+              <a:buClrTx/>
+              <a:buSzTx/>
+              <a:buFontTx/>
+              <a:buNone/>
+              <a:tabLst/>
+            </a:pPr>
+            <a:endParaRPr kumimoji="0" lang="en-US" sz="1600" b="0" i="0" u="none" strike="noStrike" cap="none" normalizeH="0" dirty="0" smtClean="0">
+              <a:ln>
+                <a:noFill/>
+              </a:ln>
+              <a:solidFill>
+                <a:schemeClr val="tx1"/>
+              </a:solidFill>
+              <a:effectLst/>
+              <a:latin typeface="Arial" charset="0"/>
+            </a:endParaRPr>
+          </a:p>
+          <a:p>
+            <a:pPr marL="0" marR="0" indent="0" algn="ctr" defTabSz="914400" rtl="0" eaLnBrk="0" fontAlgn="base" latinLnBrk="0" hangingPunct="0">
+              <a:lnSpc>
+                <a:spcPct val="100000"/>
+              </a:lnSpc>
+              <a:spcBef>
+                <a:spcPct val="0"/>
+              </a:spcBef>
+              <a:spcAft>
+                <a:spcPct val="0"/>
+              </a:spcAft>
+              <a:buClrTx/>
+              <a:buSzTx/>
+              <a:buFontTx/>
+              <a:buNone/>
+              <a:tabLst/>
+            </a:pPr>
+            <a:r>
+              <a:rPr lang="en-US" sz="1600" dirty="0">
+                <a:latin typeface="Arial" charset="0"/>
+              </a:rPr>
+              <a:t>m</a:t>
+            </a:r>
+            <a:r>
+              <a:rPr lang="en-US" sz="1600" baseline="0" dirty="0" smtClean="0">
+                <a:latin typeface="Arial" charset="0"/>
+              </a:rPr>
+              <a:t>ore</a:t>
+            </a:r>
+            <a:r>
+              <a:rPr lang="en-US" sz="1600" dirty="0" smtClean="0">
+                <a:latin typeface="Arial" charset="0"/>
+              </a:rPr>
+              <a:t> resistance, weaker signal</a:t>
+            </a:r>
+            <a:endParaRPr kumimoji="0" lang="en-US" sz="1600" b="0" i="0" u="none" strike="noStrike" cap="none" normalizeH="0" baseline="0" dirty="0" smtClean="0">
+              <a:ln>
+                <a:noFill/>
+              </a:ln>
+              <a:solidFill>
+                <a:schemeClr val="tx1"/>
+              </a:solidFill>
+              <a:effectLst/>
+              <a:latin typeface="Arial" charset="0"/>
+            </a:endParaRPr>
+          </a:p>
+        </p:txBody>
+      </p:sp>
     </p:spTree>
     <p:extLst>
       <p:ext uri="{BB962C8B-B14F-4D97-AF65-F5344CB8AC3E}">
-        <p14:creationId xmlns:p14="http://schemas.microsoft.com/office/powerpoint/2010/main" val="4167043525"/>
-      </p:ext>
-    </p:extLst>
-  </p:cSld>
-  <p:clrMapOvr>
-    <a:masterClrMapping/>
-  </p:clrMapOvr>
-  <p:timing>
-    <p:tnLst>
-      <p:par>
-        <p:cTn id="1" dur="indefinite" restart="never" nodeType="tmRoot"/>
-      </p:par>
-    </p:tnLst>
-  </p:timing>
-</p:sld>
-</file>
-
-<file path=ppt/slides/slide6.xml><?xml version="1.0" encoding="utf-8"?>
-<p:sld xmlns:a="http://schemas.openxmlformats.org/drawingml/2006/main" xmlns:r="http://schemas.openxmlformats.org/officeDocument/2006/relationships" xmlns:p="http://schemas.openxmlformats.org/presentationml/2006/main">
-  <p:cSld>
-    <p:spTree>
-      <p:nvGrpSpPr>
-        <p:cNvPr id="1" name=""/>
-        <p:cNvGrpSpPr/>
-        <p:nvPr/>
-      </p:nvGrpSpPr>
-      <p:grpSpPr>
-        <a:xfrm>
-          <a:off x="0" y="0"/>
-          <a:ext cx="0" cy="0"/>
-          <a:chOff x="0" y="0"/>
-          <a:chExt cx="0" cy="0"/>
-        </a:xfrm>
-      </p:grpSpPr>
-      <p:sp>
-        <p:nvSpPr>
-          <p:cNvPr id="2" name="Title 1"/>
-          <p:cNvSpPr>
-            <a:spLocks noGrp="1"/>
-          </p:cNvSpPr>
-          <p:nvPr>
-            <p:ph type="title"/>
-          </p:nvPr>
-        </p:nvSpPr>
-        <p:spPr/>
-        <p:txBody>
-          <a:bodyPr/>
-          <a:lstStyle/>
-          <a:p>
-            <a:r>
-              <a:rPr lang="en-US" dirty="0" smtClean="0"/>
-              <a:t>Mimic DC Values</a:t>
-            </a:r>
-            <a:endParaRPr lang="en-US" dirty="0"/>
-          </a:p>
-        </p:txBody>
-      </p:sp>
-      <p:pic>
-        <p:nvPicPr>
-          <p:cNvPr id="1028" name="Picture 4" descr="Image result for pwm signal motor controller"/>
-          <p:cNvPicPr>
-            <a:picLocks noChangeAspect="1" noChangeArrowheads="1"/>
-          </p:cNvPicPr>
-          <p:nvPr/>
-        </p:nvPicPr>
-        <p:blipFill>
-          <a:blip r:embed="rId2">
-            <a:extLst>
-              <a:ext uri="{28A0092B-C50C-407E-A947-70E740481C1C}">
-                <a14:useLocalDpi xmlns:a14="http://schemas.microsoft.com/office/drawing/2010/main" val="0"/>
-              </a:ext>
-            </a:extLst>
-          </a:blip>
-          <a:srcRect/>
-          <a:stretch>
-            <a:fillRect/>
-          </a:stretch>
-        </p:blipFill>
-        <p:spPr bwMode="auto">
-          <a:xfrm>
-            <a:off x="917574" y="1011237"/>
-            <a:ext cx="7743825" cy="5095876"/>
-          </a:xfrm>
-          <a:prstGeom prst="rect">
-            <a:avLst/>
-          </a:prstGeom>
-          <a:noFill/>
-          <a:extLst>
-            <a:ext uri="{909E8E84-426E-40DD-AFC4-6F175D3DCCD1}">
-              <a14:hiddenFill xmlns:a14="http://schemas.microsoft.com/office/drawing/2010/main">
-                <a:solidFill>
-                  <a:srgbClr val="FFFFFF"/>
-                </a:solidFill>
-              </a14:hiddenFill>
-            </a:ext>
-          </a:extLst>
-        </p:spPr>
-      </p:pic>
-    </p:spTree>
-    <p:extLst>
-      <p:ext uri="{BB962C8B-B14F-4D97-AF65-F5344CB8AC3E}">
-        <p14:creationId xmlns:p14="http://schemas.microsoft.com/office/powerpoint/2010/main" val="2024326471"/>
-      </p:ext>
-    </p:extLst>
-  </p:cSld>
-  <p:clrMapOvr>
-    <a:masterClrMapping/>
-  </p:clrMapOvr>
-  <p:timing>
-    <p:tnLst>
-      <p:par>
-        <p:cTn id="1" dur="indefinite" restart="never" nodeType="tmRoot"/>
-      </p:par>
-    </p:tnLst>
-  </p:timing>
-</p:sld>
-</file>
-
-<file path=ppt/slides/slide7.xml><?xml version="1.0" encoding="utf-8"?>
-<p:sld xmlns:a="http://schemas.openxmlformats.org/drawingml/2006/main" xmlns:r="http://schemas.openxmlformats.org/officeDocument/2006/relationships" xmlns:p="http://schemas.openxmlformats.org/presentationml/2006/main">
-  <p:cSld>
-    <p:spTree>
-      <p:nvGrpSpPr>
-        <p:cNvPr id="1" name=""/>
-        <p:cNvGrpSpPr/>
-        <p:nvPr/>
-      </p:nvGrpSpPr>
-      <p:grpSpPr>
-        <a:xfrm>
-          <a:off x="0" y="0"/>
-          <a:ext cx="0" cy="0"/>
-          <a:chOff x="0" y="0"/>
-          <a:chExt cx="0" cy="0"/>
-        </a:xfrm>
-      </p:grpSpPr>
-      <p:sp>
-        <p:nvSpPr>
-          <p:cNvPr id="2" name="Title 1"/>
-          <p:cNvSpPr>
-            <a:spLocks noGrp="1"/>
-          </p:cNvSpPr>
-          <p:nvPr>
-            <p:ph type="title"/>
-          </p:nvPr>
-        </p:nvSpPr>
-        <p:spPr/>
-        <p:txBody>
-          <a:bodyPr/>
-          <a:lstStyle/>
-          <a:p>
-            <a:r>
-              <a:rPr lang="en-US" dirty="0" smtClean="0"/>
-              <a:t>Servos</a:t>
-            </a:r>
-            <a:endParaRPr lang="en-US" dirty="0"/>
-          </a:p>
-        </p:txBody>
-      </p:sp>
-      <p:pic>
-        <p:nvPicPr>
-          <p:cNvPr id="2050" name="Picture 2" descr="Image result for pwm signal motor controller"/>
-          <p:cNvPicPr>
-            <a:picLocks noChangeAspect="1" noChangeArrowheads="1"/>
-          </p:cNvPicPr>
-          <p:nvPr/>
-        </p:nvPicPr>
-        <p:blipFill>
-          <a:blip r:embed="rId2">
-            <a:extLst>
-              <a:ext uri="{28A0092B-C50C-407E-A947-70E740481C1C}">
-                <a14:useLocalDpi xmlns:a14="http://schemas.microsoft.com/office/drawing/2010/main" val="0"/>
-              </a:ext>
-            </a:extLst>
-          </a:blip>
-          <a:srcRect/>
-          <a:stretch>
-            <a:fillRect/>
-          </a:stretch>
-        </p:blipFill>
-        <p:spPr bwMode="auto">
-          <a:xfrm>
-            <a:off x="1470025" y="1600200"/>
-            <a:ext cx="6076950" cy="4457700"/>
-          </a:xfrm>
-          <a:prstGeom prst="rect">
-            <a:avLst/>
-          </a:prstGeom>
-          <a:noFill/>
-          <a:extLst>
-            <a:ext uri="{909E8E84-426E-40DD-AFC4-6F175D3DCCD1}">
-              <a14:hiddenFill xmlns:a14="http://schemas.microsoft.com/office/drawing/2010/main">
-                <a:solidFill>
-                  <a:srgbClr val="FFFFFF"/>
-                </a:solidFill>
-              </a14:hiddenFill>
-            </a:ext>
-          </a:extLst>
-        </p:spPr>
-      </p:pic>
-    </p:spTree>
-    <p:extLst>
-      <p:ext uri="{BB962C8B-B14F-4D97-AF65-F5344CB8AC3E}">
-        <p14:creationId xmlns:p14="http://schemas.microsoft.com/office/powerpoint/2010/main" val="1631319974"/>
+        <p14:creationId xmlns:p14="http://schemas.microsoft.com/office/powerpoint/2010/main" val="271665016"/>
       </p:ext>
     </p:extLst>
   </p:cSld>
